--- a/DSP/MIkkel-PowerPoints/DSP-04_TransFunc_diffLign_Pol-nul_punkter_stabilitet_realistions_struktur.pptx
+++ b/DSP/MIkkel-PowerPoints/DSP-04_TransFunc_diffLign_Pol-nul_punkter_stabilitet_realistions_struktur.pptx
@@ -8,12 +8,13 @@
     <p:sldId id="256" r:id="rId2"/>
     <p:sldId id="257" r:id="rId3"/>
     <p:sldId id="258" r:id="rId4"/>
-    <p:sldId id="259" r:id="rId5"/>
-    <p:sldId id="260" r:id="rId6"/>
-    <p:sldId id="261" r:id="rId7"/>
-    <p:sldId id="262" r:id="rId8"/>
-    <p:sldId id="264" r:id="rId9"/>
-    <p:sldId id="265" r:id="rId10"/>
+    <p:sldId id="266" r:id="rId5"/>
+    <p:sldId id="259" r:id="rId6"/>
+    <p:sldId id="260" r:id="rId7"/>
+    <p:sldId id="261" r:id="rId8"/>
+    <p:sldId id="262" r:id="rId9"/>
+    <p:sldId id="264" r:id="rId10"/>
+    <p:sldId id="265" r:id="rId11"/>
   </p:sldIdLst>
   <p:sldSz cx="12192000" cy="6858000"/>
   <p:notesSz cx="6858000" cy="9144000"/>
@@ -583,7 +584,7 @@
           <a:p>
             <a:fld id="{846CE7D5-CF57-46EF-B807-FDD0502418D4}" type="datetimeFigureOut">
               <a:rPr lang="en-US" smtClean="0"/>
-              <a:t>12/27/2024</a:t>
+              <a:t>1/15/2025</a:t>
             </a:fld>
             <a:endParaRPr lang="en-US"/>
           </a:p>
@@ -625,7 +626,7 @@
           <a:p>
             <a:fld id="{330EA680-D336-4FF7-8B7A-9848BB0A1C32}" type="slidenum">
               <a:rPr lang="en-US" smtClean="0"/>
-              <a:t>‹#›</a:t>
+              <a:t>‹nr.›</a:t>
             </a:fld>
             <a:endParaRPr lang="en-US"/>
           </a:p>
@@ -753,7 +754,7 @@
           <a:p>
             <a:fld id="{846CE7D5-CF57-46EF-B807-FDD0502418D4}" type="datetimeFigureOut">
               <a:rPr lang="en-US" smtClean="0"/>
-              <a:t>12/27/2024</a:t>
+              <a:t>1/15/2025</a:t>
             </a:fld>
             <a:endParaRPr lang="en-US"/>
           </a:p>
@@ -795,7 +796,7 @@
           <a:p>
             <a:fld id="{330EA680-D336-4FF7-8B7A-9848BB0A1C32}" type="slidenum">
               <a:rPr lang="en-US" smtClean="0"/>
-              <a:t>‹#›</a:t>
+              <a:t>‹nr.›</a:t>
             </a:fld>
             <a:endParaRPr lang="en-US"/>
           </a:p>
@@ -933,7 +934,7 @@
           <a:p>
             <a:fld id="{846CE7D5-CF57-46EF-B807-FDD0502418D4}" type="datetimeFigureOut">
               <a:rPr lang="en-US" smtClean="0"/>
-              <a:t>12/27/2024</a:t>
+              <a:t>1/15/2025</a:t>
             </a:fld>
             <a:endParaRPr lang="en-US"/>
           </a:p>
@@ -975,7 +976,7 @@
           <a:p>
             <a:fld id="{330EA680-D336-4FF7-8B7A-9848BB0A1C32}" type="slidenum">
               <a:rPr lang="en-US" smtClean="0"/>
-              <a:t>‹#›</a:t>
+              <a:t>‹nr.›</a:t>
             </a:fld>
             <a:endParaRPr lang="en-US"/>
           </a:p>
@@ -1103,7 +1104,7 @@
           <a:p>
             <a:fld id="{846CE7D5-CF57-46EF-B807-FDD0502418D4}" type="datetimeFigureOut">
               <a:rPr lang="en-US" smtClean="0"/>
-              <a:t>12/27/2024</a:t>
+              <a:t>1/15/2025</a:t>
             </a:fld>
             <a:endParaRPr lang="en-US"/>
           </a:p>
@@ -1145,7 +1146,7 @@
           <a:p>
             <a:fld id="{330EA680-D336-4FF7-8B7A-9848BB0A1C32}" type="slidenum">
               <a:rPr lang="en-US" smtClean="0"/>
-              <a:t>‹#›</a:t>
+              <a:t>‹nr.›</a:t>
             </a:fld>
             <a:endParaRPr lang="en-US"/>
           </a:p>
@@ -1349,7 +1350,7 @@
           <a:p>
             <a:fld id="{846CE7D5-CF57-46EF-B807-FDD0502418D4}" type="datetimeFigureOut">
               <a:rPr lang="en-US" smtClean="0"/>
-              <a:t>12/27/2024</a:t>
+              <a:t>1/15/2025</a:t>
             </a:fld>
             <a:endParaRPr lang="en-US"/>
           </a:p>
@@ -1391,7 +1392,7 @@
           <a:p>
             <a:fld id="{330EA680-D336-4FF7-8B7A-9848BB0A1C32}" type="slidenum">
               <a:rPr lang="en-US" smtClean="0"/>
-              <a:t>‹#›</a:t>
+              <a:t>‹nr.›</a:t>
             </a:fld>
             <a:endParaRPr lang="en-US"/>
           </a:p>
@@ -1581,7 +1582,7 @@
           <a:p>
             <a:fld id="{846CE7D5-CF57-46EF-B807-FDD0502418D4}" type="datetimeFigureOut">
               <a:rPr lang="en-US" smtClean="0"/>
-              <a:t>12/27/2024</a:t>
+              <a:t>1/15/2025</a:t>
             </a:fld>
             <a:endParaRPr lang="en-US"/>
           </a:p>
@@ -1623,7 +1624,7 @@
           <a:p>
             <a:fld id="{330EA680-D336-4FF7-8B7A-9848BB0A1C32}" type="slidenum">
               <a:rPr lang="en-US" smtClean="0"/>
-              <a:t>‹#›</a:t>
+              <a:t>‹nr.›</a:t>
             </a:fld>
             <a:endParaRPr lang="en-US"/>
           </a:p>
@@ -1948,7 +1949,7 @@
           <a:p>
             <a:fld id="{846CE7D5-CF57-46EF-B807-FDD0502418D4}" type="datetimeFigureOut">
               <a:rPr lang="en-US" smtClean="0"/>
-              <a:t>12/27/2024</a:t>
+              <a:t>1/15/2025</a:t>
             </a:fld>
             <a:endParaRPr lang="en-US"/>
           </a:p>
@@ -1990,7 +1991,7 @@
           <a:p>
             <a:fld id="{330EA680-D336-4FF7-8B7A-9848BB0A1C32}" type="slidenum">
               <a:rPr lang="en-US" smtClean="0"/>
-              <a:t>‹#›</a:t>
+              <a:t>‹nr.›</a:t>
             </a:fld>
             <a:endParaRPr lang="en-US"/>
           </a:p>
@@ -2066,7 +2067,7 @@
           <a:p>
             <a:fld id="{846CE7D5-CF57-46EF-B807-FDD0502418D4}" type="datetimeFigureOut">
               <a:rPr lang="en-US" smtClean="0"/>
-              <a:t>12/27/2024</a:t>
+              <a:t>1/15/2025</a:t>
             </a:fld>
             <a:endParaRPr lang="en-US"/>
           </a:p>
@@ -2108,7 +2109,7 @@
           <a:p>
             <a:fld id="{330EA680-D336-4FF7-8B7A-9848BB0A1C32}" type="slidenum">
               <a:rPr lang="en-US" smtClean="0"/>
-              <a:t>‹#›</a:t>
+              <a:t>‹nr.›</a:t>
             </a:fld>
             <a:endParaRPr lang="en-US"/>
           </a:p>
@@ -2161,7 +2162,7 @@
           <a:p>
             <a:fld id="{846CE7D5-CF57-46EF-B807-FDD0502418D4}" type="datetimeFigureOut">
               <a:rPr lang="en-US" smtClean="0"/>
-              <a:t>12/27/2024</a:t>
+              <a:t>1/15/2025</a:t>
             </a:fld>
             <a:endParaRPr lang="en-US"/>
           </a:p>
@@ -2203,7 +2204,7 @@
           <a:p>
             <a:fld id="{330EA680-D336-4FF7-8B7A-9848BB0A1C32}" type="slidenum">
               <a:rPr lang="en-US" smtClean="0"/>
-              <a:t>‹#›</a:t>
+              <a:t>‹nr.›</a:t>
             </a:fld>
             <a:endParaRPr lang="en-US"/>
           </a:p>
@@ -2438,7 +2439,7 @@
           <a:p>
             <a:fld id="{846CE7D5-CF57-46EF-B807-FDD0502418D4}" type="datetimeFigureOut">
               <a:rPr lang="en-US" smtClean="0"/>
-              <a:t>12/27/2024</a:t>
+              <a:t>1/15/2025</a:t>
             </a:fld>
             <a:endParaRPr lang="en-US"/>
           </a:p>
@@ -2480,7 +2481,7 @@
           <a:p>
             <a:fld id="{330EA680-D336-4FF7-8B7A-9848BB0A1C32}" type="slidenum">
               <a:rPr lang="en-US" smtClean="0"/>
-              <a:t>‹#›</a:t>
+              <a:t>‹nr.›</a:t>
             </a:fld>
             <a:endParaRPr lang="en-US"/>
           </a:p>
@@ -2695,7 +2696,7 @@
           <a:p>
             <a:fld id="{846CE7D5-CF57-46EF-B807-FDD0502418D4}" type="datetimeFigureOut">
               <a:rPr lang="en-US" smtClean="0"/>
-              <a:t>12/27/2024</a:t>
+              <a:t>1/15/2025</a:t>
             </a:fld>
             <a:endParaRPr lang="en-US"/>
           </a:p>
@@ -2737,7 +2738,7 @@
           <a:p>
             <a:fld id="{330EA680-D336-4FF7-8B7A-9848BB0A1C32}" type="slidenum">
               <a:rPr lang="en-US" smtClean="0"/>
-              <a:t>‹#›</a:t>
+              <a:t>‹nr.›</a:t>
             </a:fld>
             <a:endParaRPr lang="en-US"/>
           </a:p>
@@ -2908,7 +2909,7 @@
           <a:p>
             <a:fld id="{846CE7D5-CF57-46EF-B807-FDD0502418D4}" type="datetimeFigureOut">
               <a:rPr lang="en-US" smtClean="0"/>
-              <a:t>12/27/2024</a:t>
+              <a:t>1/15/2025</a:t>
             </a:fld>
             <a:endParaRPr lang="en-US"/>
           </a:p>
@@ -2986,7 +2987,7 @@
           <a:p>
             <a:fld id="{330EA680-D336-4FF7-8B7A-9848BB0A1C32}" type="slidenum">
               <a:rPr lang="en-US" smtClean="0"/>
-              <a:t>‹#›</a:t>
+              <a:t>‹nr.›</a:t>
             </a:fld>
             <a:endParaRPr lang="en-US"/>
           </a:p>
@@ -3492,6 +3493,101 @@
 </p:sld>
 </file>
 
+<file path=ppt/slides/slide10.xml><?xml version="1.0" encoding="utf-8"?>
+<p:sld xmlns:a="http://schemas.openxmlformats.org/drawingml/2006/main" xmlns:r="http://schemas.openxmlformats.org/officeDocument/2006/relationships" xmlns:p="http://schemas.openxmlformats.org/presentationml/2006/main">
+  <p:cSld>
+    <p:spTree>
+      <p:nvGrpSpPr>
+        <p:cNvPr id="1" name=""/>
+        <p:cNvGrpSpPr/>
+        <p:nvPr/>
+      </p:nvGrpSpPr>
+      <p:grpSpPr>
+        <a:xfrm>
+          <a:off x="0" y="0"/>
+          <a:ext cx="0" cy="0"/>
+          <a:chOff x="0" y="0"/>
+          <a:chExt cx="0" cy="0"/>
+        </a:xfrm>
+      </p:grpSpPr>
+      <p:sp>
+        <p:nvSpPr>
+          <p:cNvPr id="2" name="Title 1">
+            <a:extLst>
+              <a:ext uri="{FF2B5EF4-FFF2-40B4-BE49-F238E27FC236}">
+                <a16:creationId xmlns:a16="http://schemas.microsoft.com/office/drawing/2014/main" id="{98BB79C8-EDB1-E379-9B03-502BB237DB8C}"/>
+              </a:ext>
+            </a:extLst>
+          </p:cNvPr>
+          <p:cNvSpPr>
+            <a:spLocks noGrp="1"/>
+          </p:cNvSpPr>
+          <p:nvPr>
+            <p:ph type="title"/>
+          </p:nvPr>
+        </p:nvSpPr>
+        <p:spPr>
+          <a:xfrm>
+            <a:off x="838200" y="365125"/>
+            <a:ext cx="10515600" cy="596221"/>
+          </a:xfrm>
+        </p:spPr>
+        <p:txBody>
+          <a:bodyPr>
+            <a:normAutofit fontScale="90000"/>
+          </a:bodyPr>
+          <a:lstStyle/>
+          <a:p>
+            <a:r>
+              <a:rPr lang="en-US" dirty="0"/>
+              <a:t>Pol</a:t>
+            </a:r>
+          </a:p>
+        </p:txBody>
+      </p:sp>
+      <p:pic>
+        <p:nvPicPr>
+          <p:cNvPr id="4" name="Picture 3" descr="A graph on lined paper with writing&#10;&#10;Description automatically generated">
+            <a:extLst>
+              <a:ext uri="{FF2B5EF4-FFF2-40B4-BE49-F238E27FC236}">
+                <a16:creationId xmlns:a16="http://schemas.microsoft.com/office/drawing/2014/main" id="{68F23188-7B85-4EB6-CE5C-1EA59749B2E5}"/>
+              </a:ext>
+            </a:extLst>
+          </p:cNvPr>
+          <p:cNvPicPr>
+            <a:picLocks noChangeAspect="1"/>
+          </p:cNvPicPr>
+          <p:nvPr/>
+        </p:nvPicPr>
+        <p:blipFill>
+          <a:blip r:embed="rId2"/>
+          <a:stretch>
+            <a:fillRect/>
+          </a:stretch>
+        </p:blipFill>
+        <p:spPr>
+          <a:xfrm>
+            <a:off x="1719263" y="953861"/>
+            <a:ext cx="8753475" cy="5429250"/>
+          </a:xfrm>
+          <a:prstGeom prst="rect">
+            <a:avLst/>
+          </a:prstGeom>
+        </p:spPr>
+      </p:pic>
+    </p:spTree>
+    <p:extLst>
+      <p:ext uri="{BB962C8B-B14F-4D97-AF65-F5344CB8AC3E}">
+        <p14:creationId xmlns:p14="http://schemas.microsoft.com/office/powerpoint/2010/main" val="749303311"/>
+      </p:ext>
+    </p:extLst>
+  </p:cSld>
+  <p:clrMapOvr>
+    <a:masterClrMapping/>
+  </p:clrMapOvr>
+</p:sld>
+</file>
+
 <file path=ppt/slides/slide2.xml><?xml version="1.0" encoding="utf-8"?>
 <p:sld xmlns:a="http://schemas.openxmlformats.org/drawingml/2006/main" xmlns:r="http://schemas.openxmlformats.org/officeDocument/2006/relationships" xmlns:p="http://schemas.openxmlformats.org/presentationml/2006/main">
   <p:cSld>
@@ -3611,8 +3707,8 @@
         </p:blipFill>
         <p:spPr>
           <a:xfrm>
-            <a:off x="573985" y="2050185"/>
-            <a:ext cx="4757316" cy="1220193"/>
+            <a:off x="573984" y="2050185"/>
+            <a:ext cx="5375755" cy="1378815"/>
           </a:xfrm>
           <a:prstGeom prst="rect">
             <a:avLst/>
@@ -3651,10 +3747,226 @@
       </p:grpSpPr>
       <p:pic>
         <p:nvPicPr>
-          <p:cNvPr id="4" name="Picture 3" descr="A math equations on a white board&#10;&#10;Description automatically generated">
+          <p:cNvPr id="6" name="Picture 5">
             <a:extLst>
               <a:ext uri="{FF2B5EF4-FFF2-40B4-BE49-F238E27FC236}">
-                <a16:creationId xmlns:a16="http://schemas.microsoft.com/office/drawing/2014/main" id="{1D599579-AF56-292E-9723-558CC6465B61}"/>
+                <a16:creationId xmlns:a16="http://schemas.microsoft.com/office/drawing/2014/main" id="{E656ED85-50E8-08D6-8257-5A1D38D3336C}"/>
+              </a:ext>
+            </a:extLst>
+          </p:cNvPr>
+          <p:cNvPicPr>
+            <a:picLocks noChangeAspect="1"/>
+          </p:cNvPicPr>
+          <p:nvPr/>
+        </p:nvPicPr>
+        <p:blipFill>
+          <a:blip r:embed="rId2"/>
+          <a:srcRect t="18147"/>
+          <a:stretch/>
+        </p:blipFill>
+        <p:spPr>
+          <a:xfrm>
+            <a:off x="2788449" y="4375448"/>
+            <a:ext cx="6753916" cy="834298"/>
+          </a:xfrm>
+          <a:prstGeom prst="rect">
+            <a:avLst/>
+          </a:prstGeom>
+        </p:spPr>
+      </p:pic>
+      <p:pic>
+        <p:nvPicPr>
+          <p:cNvPr id="3" name="Billede 2">
+            <a:extLst>
+              <a:ext uri="{FF2B5EF4-FFF2-40B4-BE49-F238E27FC236}">
+                <a16:creationId xmlns:a16="http://schemas.microsoft.com/office/drawing/2014/main" id="{447CAF40-FDD7-713E-7D6A-ABCD39CE60F4}"/>
+              </a:ext>
+            </a:extLst>
+          </p:cNvPr>
+          <p:cNvPicPr>
+            <a:picLocks noChangeAspect="1"/>
+          </p:cNvPicPr>
+          <p:nvPr/>
+        </p:nvPicPr>
+        <p:blipFill>
+          <a:blip r:embed="rId3"/>
+          <a:srcRect t="3963"/>
+          <a:stretch/>
+        </p:blipFill>
+        <p:spPr>
+          <a:xfrm>
+            <a:off x="3098357" y="631164"/>
+            <a:ext cx="6134100" cy="3347987"/>
+          </a:xfrm>
+          <a:prstGeom prst="rect">
+            <a:avLst/>
+          </a:prstGeom>
+        </p:spPr>
+      </p:pic>
+      <p:sp>
+        <p:nvSpPr>
+          <p:cNvPr id="7" name="TextBox 4">
+            <a:extLst>
+              <a:ext uri="{FF2B5EF4-FFF2-40B4-BE49-F238E27FC236}">
+                <a16:creationId xmlns:a16="http://schemas.microsoft.com/office/drawing/2014/main" id="{3B63E026-9133-D9A0-A415-12E60FE10986}"/>
+              </a:ext>
+            </a:extLst>
+          </p:cNvPr>
+          <p:cNvSpPr txBox="1"/>
+          <p:nvPr/>
+        </p:nvSpPr>
+        <p:spPr>
+          <a:xfrm>
+            <a:off x="3699087" y="5177482"/>
+            <a:ext cx="1069892" cy="369332"/>
+          </a:xfrm>
+          <a:prstGeom prst="rect">
+            <a:avLst/>
+          </a:prstGeom>
+          <a:noFill/>
+        </p:spPr>
+        <p:txBody>
+          <a:bodyPr rot="0" spcFirstLastPara="0" vertOverflow="overflow" horzOverflow="overflow" vert="horz" wrap="square" lIns="91440" tIns="45720" rIns="91440" bIns="45720" numCol="1" spcCol="0" rtlCol="0" fromWordArt="0" anchor="t" anchorCtr="0" forceAA="0" compatLnSpc="1">
+            <a:prstTxWarp prst="textNoShape">
+              <a:avLst/>
+            </a:prstTxWarp>
+            <a:spAutoFit/>
+          </a:bodyPr>
+          <a:lstStyle/>
+          <a:p>
+            <a:r>
+              <a:rPr lang="en-US" dirty="0"/>
+              <a:t>MUL</a:t>
+            </a:r>
+          </a:p>
+        </p:txBody>
+      </p:sp>
+      <p:sp>
+        <p:nvSpPr>
+          <p:cNvPr id="8" name="TextBox 4">
+            <a:extLst>
+              <a:ext uri="{FF2B5EF4-FFF2-40B4-BE49-F238E27FC236}">
+                <a16:creationId xmlns:a16="http://schemas.microsoft.com/office/drawing/2014/main" id="{7D102BAE-3055-C0C8-C22E-E08ECBC397B3}"/>
+              </a:ext>
+            </a:extLst>
+          </p:cNvPr>
+          <p:cNvSpPr txBox="1"/>
+          <p:nvPr/>
+        </p:nvSpPr>
+        <p:spPr>
+          <a:xfrm>
+            <a:off x="5956419" y="5239029"/>
+            <a:ext cx="854580" cy="646331"/>
+          </a:xfrm>
+          <a:prstGeom prst="rect">
+            <a:avLst/>
+          </a:prstGeom>
+          <a:noFill/>
+        </p:spPr>
+        <p:txBody>
+          <a:bodyPr rot="0" spcFirstLastPara="0" vertOverflow="overflow" horzOverflow="overflow" vert="horz" wrap="square" lIns="91440" tIns="45720" rIns="91440" bIns="45720" numCol="1" spcCol="0" rtlCol="0" fromWordArt="0" anchor="t" anchorCtr="0" forceAA="0" compatLnSpc="1">
+            <a:prstTxWarp prst="textNoShape">
+              <a:avLst/>
+            </a:prstTxWarp>
+            <a:spAutoFit/>
+          </a:bodyPr>
+          <a:lstStyle/>
+          <a:p>
+            <a:r>
+              <a:rPr lang="en-US" dirty="0"/>
+              <a:t>ADD</a:t>
+            </a:r>
+          </a:p>
+          <a:p>
+            <a:pPr marL="285750" indent="-285750">
+              <a:buFont typeface="Arial"/>
+              <a:buChar char="•"/>
+            </a:pPr>
+            <a:endParaRPr lang="en-US" dirty="0"/>
+          </a:p>
+        </p:txBody>
+      </p:sp>
+      <p:sp>
+        <p:nvSpPr>
+          <p:cNvPr id="9" name="TextBox 4">
+            <a:extLst>
+              <a:ext uri="{FF2B5EF4-FFF2-40B4-BE49-F238E27FC236}">
+                <a16:creationId xmlns:a16="http://schemas.microsoft.com/office/drawing/2014/main" id="{CF47BD29-53A3-BADD-66AC-03409DF5BD92}"/>
+              </a:ext>
+            </a:extLst>
+          </p:cNvPr>
+          <p:cNvSpPr txBox="1"/>
+          <p:nvPr/>
+        </p:nvSpPr>
+        <p:spPr>
+          <a:xfrm>
+            <a:off x="7819401" y="5209746"/>
+            <a:ext cx="1949091" cy="646331"/>
+          </a:xfrm>
+          <a:prstGeom prst="rect">
+            <a:avLst/>
+          </a:prstGeom>
+          <a:noFill/>
+        </p:spPr>
+        <p:txBody>
+          <a:bodyPr rot="0" spcFirstLastPara="0" vertOverflow="overflow" horzOverflow="overflow" vert="horz" wrap="square" lIns="91440" tIns="45720" rIns="91440" bIns="45720" numCol="1" spcCol="0" rtlCol="0" fromWordArt="0" anchor="t" anchorCtr="0" forceAA="0" compatLnSpc="1">
+            <a:prstTxWarp prst="textNoShape">
+              <a:avLst/>
+            </a:prstTxWarp>
+            <a:spAutoFit/>
+          </a:bodyPr>
+          <a:lstStyle/>
+          <a:p>
+            <a:r>
+              <a:rPr lang="en-US" dirty="0"/>
+              <a:t>DELAY</a:t>
+            </a:r>
+          </a:p>
+          <a:p>
+            <a:pPr marL="285750" indent="-285750">
+              <a:buFont typeface="Arial"/>
+              <a:buChar char="•"/>
+            </a:pPr>
+            <a:endParaRPr lang="en-US" dirty="0"/>
+          </a:p>
+        </p:txBody>
+      </p:sp>
+    </p:spTree>
+    <p:extLst>
+      <p:ext uri="{BB962C8B-B14F-4D97-AF65-F5344CB8AC3E}">
+        <p14:creationId xmlns:p14="http://schemas.microsoft.com/office/powerpoint/2010/main" val="3731878159"/>
+      </p:ext>
+    </p:extLst>
+  </p:cSld>
+  <p:clrMapOvr>
+    <a:masterClrMapping/>
+  </p:clrMapOvr>
+</p:sld>
+</file>
+
+<file path=ppt/slides/slide4.xml><?xml version="1.0" encoding="utf-8"?>
+<p:sld xmlns:a="http://schemas.openxmlformats.org/drawingml/2006/main" xmlns:r="http://schemas.openxmlformats.org/officeDocument/2006/relationships" xmlns:p="http://schemas.openxmlformats.org/presentationml/2006/main">
+  <p:cSld>
+    <p:spTree>
+      <p:nvGrpSpPr>
+        <p:cNvPr id="1" name=""/>
+        <p:cNvGrpSpPr/>
+        <p:nvPr/>
+      </p:nvGrpSpPr>
+      <p:grpSpPr>
+        <a:xfrm>
+          <a:off x="0" y="0"/>
+          <a:ext cx="0" cy="0"/>
+          <a:chOff x="0" y="0"/>
+          <a:chExt cx="0" cy="0"/>
+        </a:xfrm>
+      </p:grpSpPr>
+      <p:pic>
+        <p:nvPicPr>
+          <p:cNvPr id="5" name="Billede 4">
+            <a:extLst>
+              <a:ext uri="{FF2B5EF4-FFF2-40B4-BE49-F238E27FC236}">
+                <a16:creationId xmlns:a16="http://schemas.microsoft.com/office/drawing/2014/main" id="{F79423F7-EE70-96AA-C665-77D68811373E}"/>
               </a:ext>
             </a:extLst>
           </p:cNvPr>
@@ -3671,107 +3983,8 @@
         </p:blipFill>
         <p:spPr>
           <a:xfrm>
-            <a:off x="2543588" y="1158322"/>
-            <a:ext cx="5912126" cy="1261441"/>
-          </a:xfrm>
-          <a:prstGeom prst="rect">
-            <a:avLst/>
-          </a:prstGeom>
-        </p:spPr>
-      </p:pic>
-      <p:sp>
-        <p:nvSpPr>
-          <p:cNvPr id="5" name="TextBox 4">
-            <a:extLst>
-              <a:ext uri="{FF2B5EF4-FFF2-40B4-BE49-F238E27FC236}">
-                <a16:creationId xmlns:a16="http://schemas.microsoft.com/office/drawing/2014/main" id="{17585002-AFD9-F89C-84DE-A2BF7B17F0F9}"/>
-              </a:ext>
-            </a:extLst>
-          </p:cNvPr>
-          <p:cNvSpPr txBox="1"/>
-          <p:nvPr/>
-        </p:nvSpPr>
-        <p:spPr>
-          <a:xfrm>
-            <a:off x="1485712" y="3036421"/>
-            <a:ext cx="1302737" cy="1200329"/>
-          </a:xfrm>
-          <a:prstGeom prst="rect">
-            <a:avLst/>
-          </a:prstGeom>
-          <a:noFill/>
-        </p:spPr>
-        <p:txBody>
-          <a:bodyPr rot="0" spcFirstLastPara="0" vertOverflow="overflow" horzOverflow="overflow" vert="horz" wrap="square" lIns="91440" tIns="45720" rIns="91440" bIns="45720" numCol="1" spcCol="0" rtlCol="0" fromWordArt="0" anchor="t" anchorCtr="0" forceAA="0" compatLnSpc="1">
-            <a:prstTxWarp prst="textNoShape">
-              <a:avLst/>
-            </a:prstTxWarp>
-            <a:spAutoFit/>
-          </a:bodyPr>
-          <a:lstStyle/>
-          <a:p>
-            <a:pPr marL="285750" indent="-285750">
-              <a:buFont typeface="Arial"/>
-              <a:buChar char="•"/>
-            </a:pPr>
-            <a:r>
-              <a:rPr lang="en-US" dirty="0"/>
-              <a:t>ADD</a:t>
-            </a:r>
-          </a:p>
-          <a:p>
-            <a:pPr marL="285750" indent="-285750">
-              <a:buFont typeface="Arial"/>
-              <a:buChar char="•"/>
-            </a:pPr>
-            <a:r>
-              <a:rPr lang="en-US"/>
-              <a:t>MUL</a:t>
-            </a:r>
-          </a:p>
-          <a:p>
-            <a:pPr marL="285750" indent="-285750">
-              <a:buFont typeface="Arial"/>
-              <a:buChar char="•"/>
-            </a:pPr>
-            <a:r>
-              <a:rPr lang="en-US" dirty="0"/>
-              <a:t>DELAY</a:t>
-            </a:r>
-          </a:p>
-          <a:p>
-            <a:pPr marL="285750" indent="-285750">
-              <a:buFont typeface="Arial"/>
-              <a:buChar char="•"/>
-            </a:pPr>
-            <a:endParaRPr lang="en-US" dirty="0"/>
-          </a:p>
-        </p:txBody>
-      </p:sp>
-      <p:pic>
-        <p:nvPicPr>
-          <p:cNvPr id="6" name="Picture 5">
-            <a:extLst>
-              <a:ext uri="{FF2B5EF4-FFF2-40B4-BE49-F238E27FC236}">
-                <a16:creationId xmlns:a16="http://schemas.microsoft.com/office/drawing/2014/main" id="{E656ED85-50E8-08D6-8257-5A1D38D3336C}"/>
-              </a:ext>
-            </a:extLst>
-          </p:cNvPr>
-          <p:cNvPicPr>
-            <a:picLocks noChangeAspect="1"/>
-          </p:cNvPicPr>
-          <p:nvPr/>
-        </p:nvPicPr>
-        <p:blipFill>
-          <a:blip r:embed="rId3"/>
-          <a:stretch>
-            <a:fillRect/>
-          </a:stretch>
-        </p:blipFill>
-        <p:spPr>
-          <a:xfrm>
-            <a:off x="3049104" y="2703512"/>
-            <a:ext cx="6248400" cy="942975"/>
+            <a:off x="1533525" y="0"/>
+            <a:ext cx="9124950" cy="6858000"/>
           </a:xfrm>
           <a:prstGeom prst="rect">
             <a:avLst/>
@@ -3781,7 +3994,7 @@
     </p:spTree>
     <p:extLst>
       <p:ext uri="{BB962C8B-B14F-4D97-AF65-F5344CB8AC3E}">
-        <p14:creationId xmlns:p14="http://schemas.microsoft.com/office/powerpoint/2010/main" val="3731878159"/>
+        <p14:creationId xmlns:p14="http://schemas.microsoft.com/office/powerpoint/2010/main" val="1286709964"/>
       </p:ext>
     </p:extLst>
   </p:cSld>
@@ -3791,7 +4004,7 @@
 </p:sld>
 </file>
 
-<file path=ppt/slides/slide4.xml><?xml version="1.0" encoding="utf-8"?>
+<file path=ppt/slides/slide5.xml><?xml version="1.0" encoding="utf-8"?>
 <p:sld xmlns:a="http://schemas.openxmlformats.org/drawingml/2006/main" xmlns:r="http://schemas.openxmlformats.org/officeDocument/2006/relationships" xmlns:p="http://schemas.openxmlformats.org/presentationml/2006/main">
   <p:cSld>
     <p:spTree>
@@ -3881,7 +4094,7 @@
 </p:sld>
 </file>
 
-<file path=ppt/slides/slide5.xml><?xml version="1.0" encoding="utf-8"?>
+<file path=ppt/slides/slide6.xml><?xml version="1.0" encoding="utf-8"?>
 <p:sld xmlns:a="http://schemas.openxmlformats.org/drawingml/2006/main" xmlns:r="http://schemas.openxmlformats.org/officeDocument/2006/relationships" xmlns:p="http://schemas.openxmlformats.org/presentationml/2006/main">
   <p:cSld>
     <p:spTree>
@@ -3941,7 +4154,7 @@
 </p:sld>
 </file>
 
-<file path=ppt/slides/slide6.xml><?xml version="1.0" encoding="utf-8"?>
+<file path=ppt/slides/slide7.xml><?xml version="1.0" encoding="utf-8"?>
 <p:sld xmlns:a="http://schemas.openxmlformats.org/drawingml/2006/main" xmlns:r="http://schemas.openxmlformats.org/officeDocument/2006/relationships" xmlns:p="http://schemas.openxmlformats.org/presentationml/2006/main">
   <p:cSld>
     <p:spTree>
@@ -4001,7 +4214,7 @@
 </p:sld>
 </file>
 
-<file path=ppt/slides/slide7.xml><?xml version="1.0" encoding="utf-8"?>
+<file path=ppt/slides/slide8.xml><?xml version="1.0" encoding="utf-8"?>
 <p:sld xmlns:a="http://schemas.openxmlformats.org/drawingml/2006/main" xmlns:r="http://schemas.openxmlformats.org/officeDocument/2006/relationships" xmlns:p="http://schemas.openxmlformats.org/presentationml/2006/main">
   <p:cSld>
     <p:spTree>
@@ -4040,7 +4253,7 @@
         </p:blipFill>
         <p:spPr>
           <a:xfrm>
-            <a:off x="5752571" y="706438"/>
+            <a:off x="5757333" y="1413140"/>
             <a:ext cx="6296025" cy="5191125"/>
           </a:xfrm>
           <a:prstGeom prst="rect">
@@ -4070,8 +4283,176 @@
         </p:blipFill>
         <p:spPr>
           <a:xfrm>
-            <a:off x="0" y="415925"/>
+            <a:off x="0" y="1413140"/>
             <a:ext cx="5757333" cy="4576232"/>
+          </a:xfrm>
+          <a:prstGeom prst="rect">
+            <a:avLst/>
+          </a:prstGeom>
+        </p:spPr>
+      </p:pic>
+      <p:sp>
+        <p:nvSpPr>
+          <p:cNvPr id="2" name="Rektangel 1">
+            <a:extLst>
+              <a:ext uri="{FF2B5EF4-FFF2-40B4-BE49-F238E27FC236}">
+                <a16:creationId xmlns:a16="http://schemas.microsoft.com/office/drawing/2014/main" id="{4BCFED38-4DE2-61C9-E0BE-D2B94BC48152}"/>
+              </a:ext>
+            </a:extLst>
+          </p:cNvPr>
+          <p:cNvSpPr/>
+          <p:nvPr/>
+        </p:nvSpPr>
+        <p:spPr>
+          <a:xfrm>
+            <a:off x="17717" y="4752650"/>
+            <a:ext cx="2597295" cy="692210"/>
+          </a:xfrm>
+          <a:prstGeom prst="rect">
+            <a:avLst/>
+          </a:prstGeom>
+          <a:solidFill>
+            <a:schemeClr val="bg1"/>
+          </a:solidFill>
+          <a:ln>
+            <a:solidFill>
+              <a:schemeClr val="bg1"/>
+            </a:solidFill>
+          </a:ln>
+        </p:spPr>
+        <p:style>
+          <a:lnRef idx="2">
+            <a:schemeClr val="accent1">
+              <a:shade val="15000"/>
+            </a:schemeClr>
+          </a:lnRef>
+          <a:fillRef idx="1">
+            <a:schemeClr val="accent1"/>
+          </a:fillRef>
+          <a:effectRef idx="0">
+            <a:schemeClr val="accent1"/>
+          </a:effectRef>
+          <a:fontRef idx="minor">
+            <a:schemeClr val="lt1"/>
+          </a:fontRef>
+        </p:style>
+        <p:txBody>
+          <a:bodyPr rtlCol="0" anchor="ctr"/>
+          <a:lstStyle/>
+          <a:p>
+            <a:pPr algn="ctr"/>
+            <a:endParaRPr lang="da-DK" dirty="0"/>
+          </a:p>
+        </p:txBody>
+      </p:sp>
+      <p:sp>
+        <p:nvSpPr>
+          <p:cNvPr id="3" name="Rektangel 2">
+            <a:extLst>
+              <a:ext uri="{FF2B5EF4-FFF2-40B4-BE49-F238E27FC236}">
+                <a16:creationId xmlns:a16="http://schemas.microsoft.com/office/drawing/2014/main" id="{E8A50E9B-98DE-7248-E0B5-CD904A4DC205}"/>
+              </a:ext>
+            </a:extLst>
+          </p:cNvPr>
+          <p:cNvSpPr/>
+          <p:nvPr/>
+        </p:nvSpPr>
+        <p:spPr>
+          <a:xfrm>
+            <a:off x="331411" y="4646052"/>
+            <a:ext cx="728267" cy="692210"/>
+          </a:xfrm>
+          <a:prstGeom prst="rect">
+            <a:avLst/>
+          </a:prstGeom>
+          <a:solidFill>
+            <a:schemeClr val="bg1"/>
+          </a:solidFill>
+          <a:ln>
+            <a:solidFill>
+              <a:schemeClr val="bg1"/>
+            </a:solidFill>
+          </a:ln>
+        </p:spPr>
+        <p:style>
+          <a:lnRef idx="2">
+            <a:schemeClr val="accent1">
+              <a:shade val="15000"/>
+            </a:schemeClr>
+          </a:lnRef>
+          <a:fillRef idx="1">
+            <a:schemeClr val="accent1"/>
+          </a:fillRef>
+          <a:effectRef idx="0">
+            <a:schemeClr val="accent1"/>
+          </a:effectRef>
+          <a:fontRef idx="minor">
+            <a:schemeClr val="lt1"/>
+          </a:fontRef>
+        </p:style>
+        <p:txBody>
+          <a:bodyPr rtlCol="0" anchor="ctr"/>
+          <a:lstStyle/>
+          <a:p>
+            <a:pPr algn="ctr"/>
+            <a:endParaRPr lang="da-DK" dirty="0"/>
+          </a:p>
+        </p:txBody>
+      </p:sp>
+      <p:pic>
+        <p:nvPicPr>
+          <p:cNvPr id="4" name="Picture 3" descr="A yellow rectangular object with black text&#10;&#10;Description automatically generated">
+            <a:extLst>
+              <a:ext uri="{FF2B5EF4-FFF2-40B4-BE49-F238E27FC236}">
+                <a16:creationId xmlns:a16="http://schemas.microsoft.com/office/drawing/2014/main" id="{26F9B3F4-3BE5-C714-C4A3-11989291204E}"/>
+              </a:ext>
+            </a:extLst>
+          </p:cNvPr>
+          <p:cNvPicPr>
+            <a:picLocks noChangeAspect="1"/>
+          </p:cNvPicPr>
+          <p:nvPr/>
+        </p:nvPicPr>
+        <p:blipFill>
+          <a:blip r:embed="rId4"/>
+          <a:stretch>
+            <a:fillRect/>
+          </a:stretch>
+        </p:blipFill>
+        <p:spPr>
+          <a:xfrm>
+            <a:off x="1410057" y="0"/>
+            <a:ext cx="3512188" cy="1645509"/>
+          </a:xfrm>
+          <a:prstGeom prst="rect">
+            <a:avLst/>
+          </a:prstGeom>
+        </p:spPr>
+      </p:pic>
+      <p:pic>
+        <p:nvPicPr>
+          <p:cNvPr id="7" name="Picture 4" descr="A yellow background with black text&#10;&#10;Description automatically generated">
+            <a:extLst>
+              <a:ext uri="{FF2B5EF4-FFF2-40B4-BE49-F238E27FC236}">
+                <a16:creationId xmlns:a16="http://schemas.microsoft.com/office/drawing/2014/main" id="{E04AE7D0-2FCC-CA06-BBF9-4FF1C886EB33}"/>
+              </a:ext>
+            </a:extLst>
+          </p:cNvPr>
+          <p:cNvPicPr>
+            <a:picLocks noChangeAspect="1"/>
+          </p:cNvPicPr>
+          <p:nvPr/>
+        </p:nvPicPr>
+        <p:blipFill>
+          <a:blip r:embed="rId5"/>
+          <a:stretch>
+            <a:fillRect/>
+          </a:stretch>
+        </p:blipFill>
+        <p:spPr>
+          <a:xfrm>
+            <a:off x="5691265" y="223203"/>
+            <a:ext cx="5856596" cy="1150087"/>
           </a:xfrm>
           <a:prstGeom prst="rect">
             <a:avLst/>
@@ -4091,7 +4472,7 @@
 </p:sld>
 </file>
 
-<file path=ppt/slides/slide8.xml><?xml version="1.0" encoding="utf-8"?>
+<file path=ppt/slides/slide9.xml><?xml version="1.0" encoding="utf-8"?>
 <p:sld xmlns:a="http://schemas.openxmlformats.org/drawingml/2006/main" xmlns:r="http://schemas.openxmlformats.org/officeDocument/2006/relationships" xmlns:p="http://schemas.openxmlformats.org/presentationml/2006/main">
   <p:cSld>
     <p:spTree>
@@ -4177,101 +4558,6 @@
     <p:extLst>
       <p:ext uri="{BB962C8B-B14F-4D97-AF65-F5344CB8AC3E}">
         <p14:creationId xmlns:p14="http://schemas.microsoft.com/office/powerpoint/2010/main" val="1618246799"/>
-      </p:ext>
-    </p:extLst>
-  </p:cSld>
-  <p:clrMapOvr>
-    <a:masterClrMapping/>
-  </p:clrMapOvr>
-</p:sld>
-</file>
-
-<file path=ppt/slides/slide9.xml><?xml version="1.0" encoding="utf-8"?>
-<p:sld xmlns:a="http://schemas.openxmlformats.org/drawingml/2006/main" xmlns:r="http://schemas.openxmlformats.org/officeDocument/2006/relationships" xmlns:p="http://schemas.openxmlformats.org/presentationml/2006/main">
-  <p:cSld>
-    <p:spTree>
-      <p:nvGrpSpPr>
-        <p:cNvPr id="1" name=""/>
-        <p:cNvGrpSpPr/>
-        <p:nvPr/>
-      </p:nvGrpSpPr>
-      <p:grpSpPr>
-        <a:xfrm>
-          <a:off x="0" y="0"/>
-          <a:ext cx="0" cy="0"/>
-          <a:chOff x="0" y="0"/>
-          <a:chExt cx="0" cy="0"/>
-        </a:xfrm>
-      </p:grpSpPr>
-      <p:sp>
-        <p:nvSpPr>
-          <p:cNvPr id="2" name="Title 1">
-            <a:extLst>
-              <a:ext uri="{FF2B5EF4-FFF2-40B4-BE49-F238E27FC236}">
-                <a16:creationId xmlns:a16="http://schemas.microsoft.com/office/drawing/2014/main" id="{98BB79C8-EDB1-E379-9B03-502BB237DB8C}"/>
-              </a:ext>
-            </a:extLst>
-          </p:cNvPr>
-          <p:cNvSpPr>
-            <a:spLocks noGrp="1"/>
-          </p:cNvSpPr>
-          <p:nvPr>
-            <p:ph type="title"/>
-          </p:nvPr>
-        </p:nvSpPr>
-        <p:spPr>
-          <a:xfrm>
-            <a:off x="838200" y="365125"/>
-            <a:ext cx="10515600" cy="596221"/>
-          </a:xfrm>
-        </p:spPr>
-        <p:txBody>
-          <a:bodyPr>
-            <a:normAutofit fontScale="90000"/>
-          </a:bodyPr>
-          <a:lstStyle/>
-          <a:p>
-            <a:r>
-              <a:rPr lang="en-US" dirty="0"/>
-              <a:t>Pol</a:t>
-            </a:r>
-          </a:p>
-        </p:txBody>
-      </p:sp>
-      <p:pic>
-        <p:nvPicPr>
-          <p:cNvPr id="4" name="Picture 3" descr="A graph on lined paper with writing&#10;&#10;Description automatically generated">
-            <a:extLst>
-              <a:ext uri="{FF2B5EF4-FFF2-40B4-BE49-F238E27FC236}">
-                <a16:creationId xmlns:a16="http://schemas.microsoft.com/office/drawing/2014/main" id="{68F23188-7B85-4EB6-CE5C-1EA59749B2E5}"/>
-              </a:ext>
-            </a:extLst>
-          </p:cNvPr>
-          <p:cNvPicPr>
-            <a:picLocks noChangeAspect="1"/>
-          </p:cNvPicPr>
-          <p:nvPr/>
-        </p:nvPicPr>
-        <p:blipFill>
-          <a:blip r:embed="rId2"/>
-          <a:stretch>
-            <a:fillRect/>
-          </a:stretch>
-        </p:blipFill>
-        <p:spPr>
-          <a:xfrm>
-            <a:off x="1719263" y="953861"/>
-            <a:ext cx="8753475" cy="5429250"/>
-          </a:xfrm>
-          <a:prstGeom prst="rect">
-            <a:avLst/>
-          </a:prstGeom>
-        </p:spPr>
-      </p:pic>
-    </p:spTree>
-    <p:extLst>
-      <p:ext uri="{BB962C8B-B14F-4D97-AF65-F5344CB8AC3E}">
-        <p14:creationId xmlns:p14="http://schemas.microsoft.com/office/powerpoint/2010/main" val="749303311"/>
       </p:ext>
     </p:extLst>
   </p:cSld>
